--- a/docs/技術調査/技術調書_クライアントアプリ/クライアントアプリ_まとめ.pptx
+++ b/docs/技術調査/技術調書_クライアントアプリ/クライアントアプリ_まとめ.pptx
@@ -5,7 +5,7 @@
     <p:sldMasterId id="2147483648" r:id="rId1"/>
   </p:sldMasterIdLst>
   <p:notesMasterIdLst>
-    <p:notesMasterId r:id="rId12"/>
+    <p:notesMasterId r:id="rId14"/>
   </p:notesMasterIdLst>
   <p:sldIdLst>
     <p:sldId id="256" r:id="rId2"/>
@@ -18,6 +18,8 @@
     <p:sldId id="271" r:id="rId9"/>
     <p:sldId id="259" r:id="rId10"/>
     <p:sldId id="257" r:id="rId11"/>
+    <p:sldId id="277" r:id="rId12"/>
+    <p:sldId id="278" r:id="rId13"/>
   </p:sldIdLst>
   <p:sldSz cx="12192000" cy="6858000"/>
   <p:notesSz cx="6858000" cy="9144000"/>
@@ -124,25 +126,17 @@
 </p:presentation>
 </file>
 
-<file path=ppt/revisionInfo.xml><?xml version="1.0" encoding="utf-8"?>
-<p1510:revInfo xmlns:a="http://schemas.openxmlformats.org/drawingml/2006/main" xmlns:r="http://schemas.openxmlformats.org/officeDocument/2006/relationships" xmlns:p1510="http://schemas.microsoft.com/office/powerpoint/2015/10/main">
-  <p1510:revLst>
-    <p1510:client id="{A28BA554-B746-479B-B047-46958C4D7BB5}" v="11" dt="2021-05-31T18:32:35.062"/>
-  </p1510:revLst>
-</p1510:revInfo>
-</file>
-
 <file path=ppt/changesInfos/changesInfo1.xml><?xml version="1.0" encoding="utf-8"?>
 <pc:chgInfo xmlns:a="http://schemas.openxmlformats.org/drawingml/2006/main" xmlns:r="http://schemas.openxmlformats.org/officeDocument/2006/relationships" xmlns:ac="http://schemas.microsoft.com/office/drawing/2013/main/command" xmlns:pc="http://schemas.microsoft.com/office/powerpoint/2013/main/command">
   <pc:docChgLst>
     <pc:chgData name="正元　淳也" userId="ab1cd3a3-b9d9-4be4-9cd8-d64cce588c8d" providerId="ADAL" clId="{A28BA554-B746-479B-B047-46958C4D7BB5}"/>
     <pc:docChg chg="undo custSel addSld delSld modSld sldOrd">
-      <pc:chgData name="正元　淳也" userId="ab1cd3a3-b9d9-4be4-9cd8-d64cce588c8d" providerId="ADAL" clId="{A28BA554-B746-479B-B047-46958C4D7BB5}" dt="2021-05-31T18:48:19.927" v="3709" actId="47"/>
+      <pc:chgData name="正元　淳也" userId="ab1cd3a3-b9d9-4be4-9cd8-d64cce588c8d" providerId="ADAL" clId="{A28BA554-B746-479B-B047-46958C4D7BB5}" dt="2021-06-06T12:38:35.465" v="4465" actId="207"/>
       <pc:docMkLst>
         <pc:docMk/>
       </pc:docMkLst>
       <pc:sldChg chg="addSp delSp modSp add del mod modNotesTx">
-        <pc:chgData name="正元　淳也" userId="ab1cd3a3-b9d9-4be4-9cd8-d64cce588c8d" providerId="ADAL" clId="{A28BA554-B746-479B-B047-46958C4D7BB5}" dt="2021-05-31T18:48:16.293" v="3707" actId="47"/>
+        <pc:chgData name="正元　淳也" userId="ab1cd3a3-b9d9-4be4-9cd8-d64cce588c8d" providerId="ADAL" clId="{A28BA554-B746-479B-B047-46958C4D7BB5}" dt="2021-06-06T12:38:35.465" v="4465" actId="207"/>
         <pc:sldMkLst>
           <pc:docMk/>
           <pc:sldMk cId="4172342721" sldId="257"/>
@@ -156,7 +150,7 @@
           </ac:spMkLst>
         </pc:spChg>
         <pc:spChg chg="add mod ord">
-          <ac:chgData name="正元　淳也" userId="ab1cd3a3-b9d9-4be4-9cd8-d64cce588c8d" providerId="ADAL" clId="{A28BA554-B746-479B-B047-46958C4D7BB5}" dt="2021-05-31T17:38:15.467" v="746"/>
+          <ac:chgData name="正元　淳也" userId="ab1cd3a3-b9d9-4be4-9cd8-d64cce588c8d" providerId="ADAL" clId="{A28BA554-B746-479B-B047-46958C4D7BB5}" dt="2021-06-06T12:38:35.465" v="4465" actId="207"/>
           <ac:spMkLst>
             <pc:docMk/>
             <pc:sldMk cId="4172342721" sldId="257"/>
@@ -453,13 +447,13 @@
         </pc:spChg>
       </pc:sldChg>
       <pc:sldChg chg="delSp modSp add mod">
-        <pc:chgData name="正元　淳也" userId="ab1cd3a3-b9d9-4be4-9cd8-d64cce588c8d" providerId="ADAL" clId="{A28BA554-B746-479B-B047-46958C4D7BB5}" dt="2021-05-31T18:39:03.851" v="3128" actId="20577"/>
+        <pc:chgData name="正元　淳也" userId="ab1cd3a3-b9d9-4be4-9cd8-d64cce588c8d" providerId="ADAL" clId="{A28BA554-B746-479B-B047-46958C4D7BB5}" dt="2021-06-06T08:41:24.596" v="3712" actId="20577"/>
         <pc:sldMkLst>
           <pc:docMk/>
           <pc:sldMk cId="3056819929" sldId="274"/>
         </pc:sldMkLst>
         <pc:spChg chg="mod">
-          <ac:chgData name="正元　淳也" userId="ab1cd3a3-b9d9-4be4-9cd8-d64cce588c8d" providerId="ADAL" clId="{A28BA554-B746-479B-B047-46958C4D7BB5}" dt="2021-05-31T18:39:03.851" v="3128" actId="20577"/>
+          <ac:chgData name="正元　淳也" userId="ab1cd3a3-b9d9-4be4-9cd8-d64cce588c8d" providerId="ADAL" clId="{A28BA554-B746-479B-B047-46958C4D7BB5}" dt="2021-06-06T08:41:24.596" v="3712" actId="20577"/>
           <ac:spMkLst>
             <pc:docMk/>
             <pc:sldMk cId="3056819929" sldId="274"/>
@@ -483,8 +477,8 @@
           </ac:spMkLst>
         </pc:spChg>
       </pc:sldChg>
-      <pc:sldChg chg="modSp new mod">
-        <pc:chgData name="正元　淳也" userId="ab1cd3a3-b9d9-4be4-9cd8-d64cce588c8d" providerId="ADAL" clId="{A28BA554-B746-479B-B047-46958C4D7BB5}" dt="2021-05-31T18:43:06.498" v="3502" actId="14100"/>
+      <pc:sldChg chg="modSp new mod ord">
+        <pc:chgData name="正元　淳也" userId="ab1cd3a3-b9d9-4be4-9cd8-d64cce588c8d" providerId="ADAL" clId="{A28BA554-B746-479B-B047-46958C4D7BB5}" dt="2021-06-01T00:48:42.499" v="3711"/>
         <pc:sldMkLst>
           <pc:docMk/>
           <pc:sldMk cId="2843767944" sldId="275"/>
@@ -507,7 +501,7 @@
         </pc:spChg>
       </pc:sldChg>
       <pc:sldChg chg="modSp new mod">
-        <pc:chgData name="正元　淳也" userId="ab1cd3a3-b9d9-4be4-9cd8-d64cce588c8d" providerId="ADAL" clId="{A28BA554-B746-479B-B047-46958C4D7BB5}" dt="2021-05-31T18:44:46.113" v="3692" actId="20577"/>
+        <pc:chgData name="正元　淳也" userId="ab1cd3a3-b9d9-4be4-9cd8-d64cce588c8d" providerId="ADAL" clId="{A28BA554-B746-479B-B047-46958C4D7BB5}" dt="2021-06-06T08:45:32.770" v="3844" actId="20577"/>
         <pc:sldMkLst>
           <pc:docMk/>
           <pc:sldMk cId="3734577755" sldId="276"/>
@@ -521,7 +515,7 @@
           </ac:spMkLst>
         </pc:spChg>
         <pc:spChg chg="mod">
-          <ac:chgData name="正元　淳也" userId="ab1cd3a3-b9d9-4be4-9cd8-d64cce588c8d" providerId="ADAL" clId="{A28BA554-B746-479B-B047-46958C4D7BB5}" dt="2021-05-31T18:44:46.113" v="3692" actId="20577"/>
+          <ac:chgData name="正元　淳也" userId="ab1cd3a3-b9d9-4be4-9cd8-d64cce588c8d" providerId="ADAL" clId="{A28BA554-B746-479B-B047-46958C4D7BB5}" dt="2021-06-06T08:45:32.770" v="3844" actId="20577"/>
           <ac:spMkLst>
             <pc:docMk/>
             <pc:sldMk cId="3734577755" sldId="276"/>
@@ -529,12 +523,50 @@
           </ac:spMkLst>
         </pc:spChg>
       </pc:sldChg>
+      <pc:sldChg chg="modSp add del mod">
+        <pc:chgData name="正元　淳也" userId="ab1cd3a3-b9d9-4be4-9cd8-d64cce588c8d" providerId="ADAL" clId="{A28BA554-B746-479B-B047-46958C4D7BB5}" dt="2021-06-06T08:48:25.577" v="3886" actId="2890"/>
+        <pc:sldMkLst>
+          <pc:docMk/>
+          <pc:sldMk cId="1286493891" sldId="277"/>
+        </pc:sldMkLst>
+        <pc:spChg chg="mod">
+          <ac:chgData name="正元　淳也" userId="ab1cd3a3-b9d9-4be4-9cd8-d64cce588c8d" providerId="ADAL" clId="{A28BA554-B746-479B-B047-46958C4D7BB5}" dt="2021-06-06T08:48:25.256" v="3885" actId="20577"/>
+          <ac:spMkLst>
+            <pc:docMk/>
+            <pc:sldMk cId="1286493891" sldId="277"/>
+            <ac:spMk id="2" creationId="{E6A388CF-50EB-4245-8F4D-8CF05643045D}"/>
+          </ac:spMkLst>
+        </pc:spChg>
+      </pc:sldChg>
+      <pc:sldChg chg="addSp delSp modSp add mod">
+        <pc:chgData name="正元　淳也" userId="ab1cd3a3-b9d9-4be4-9cd8-d64cce588c8d" providerId="ADAL" clId="{A28BA554-B746-479B-B047-46958C4D7BB5}" dt="2021-06-06T12:36:33.060" v="4452" actId="27636"/>
+        <pc:sldMkLst>
+          <pc:docMk/>
+          <pc:sldMk cId="3100005704" sldId="277"/>
+        </pc:sldMkLst>
+        <pc:spChg chg="mod">
+          <ac:chgData name="正元　淳也" userId="ab1cd3a3-b9d9-4be4-9cd8-d64cce588c8d" providerId="ADAL" clId="{A28BA554-B746-479B-B047-46958C4D7BB5}" dt="2021-06-06T12:36:33.060" v="4452" actId="27636"/>
+          <ac:spMkLst>
+            <pc:docMk/>
+            <pc:sldMk cId="3100005704" sldId="277"/>
+            <ac:spMk id="5" creationId="{BE675393-D2EF-4AD7-81AD-F78EDDFA53CB}"/>
+          </ac:spMkLst>
+        </pc:spChg>
+        <pc:graphicFrameChg chg="add del mod">
+          <ac:chgData name="正元　淳也" userId="ab1cd3a3-b9d9-4be4-9cd8-d64cce588c8d" providerId="ADAL" clId="{A28BA554-B746-479B-B047-46958C4D7BB5}" dt="2021-06-06T08:50:26.649" v="3892"/>
+          <ac:graphicFrameMkLst>
+            <pc:docMk/>
+            <pc:sldMk cId="3100005704" sldId="277"/>
+            <ac:graphicFrameMk id="3" creationId="{ED52B64A-1AEE-46D5-8A14-4A496827804D}"/>
+          </ac:graphicFrameMkLst>
+        </pc:graphicFrameChg>
+      </pc:sldChg>
     </pc:docChg>
   </pc:docChgLst>
   <pc:docChgLst>
     <pc:chgData name="正元　淳也" userId="ab1cd3a3-b9d9-4be4-9cd8-d64cce588c8d" providerId="ADAL" clId="{AC343FF4-7C30-4431-97D1-690DC13F592F}"/>
-    <pc:docChg chg="custSel modSld">
-      <pc:chgData name="正元　淳也" userId="ab1cd3a3-b9d9-4be4-9cd8-d64cce588c8d" providerId="ADAL" clId="{AC343FF4-7C30-4431-97D1-690DC13F592F}" dt="2021-05-28T13:07:53.791" v="276" actId="20577"/>
+    <pc:docChg chg="custSel addSld modSld">
+      <pc:chgData name="正元　淳也" userId="ab1cd3a3-b9d9-4be4-9cd8-d64cce588c8d" providerId="ADAL" clId="{AC343FF4-7C30-4431-97D1-690DC13F592F}" dt="2021-06-08T02:54:02.036" v="794" actId="20577"/>
       <pc:docMkLst>
         <pc:docMk/>
       </pc:docMkLst>
@@ -584,6 +616,21 @@
           </ac:spMkLst>
         </pc:spChg>
       </pc:sldChg>
+      <pc:sldChg chg="modSp add mod">
+        <pc:chgData name="正元　淳也" userId="ab1cd3a3-b9d9-4be4-9cd8-d64cce588c8d" providerId="ADAL" clId="{AC343FF4-7C30-4431-97D1-690DC13F592F}" dt="2021-06-08T02:54:02.036" v="794" actId="20577"/>
+        <pc:sldMkLst>
+          <pc:docMk/>
+          <pc:sldMk cId="3952960564" sldId="278"/>
+        </pc:sldMkLst>
+        <pc:spChg chg="mod">
+          <ac:chgData name="正元　淳也" userId="ab1cd3a3-b9d9-4be4-9cd8-d64cce588c8d" providerId="ADAL" clId="{AC343FF4-7C30-4431-97D1-690DC13F592F}" dt="2021-06-08T02:54:02.036" v="794" actId="20577"/>
+          <ac:spMkLst>
+            <pc:docMk/>
+            <pc:sldMk cId="3952960564" sldId="278"/>
+            <ac:spMk id="5" creationId="{BE675393-D2EF-4AD7-81AD-F78EDDFA53CB}"/>
+          </ac:spMkLst>
+        </pc:spChg>
+      </pc:sldChg>
     </pc:docChg>
   </pc:docChgLst>
 </pc:chgInfo>
@@ -671,7 +718,7 @@
           <a:p>
             <a:fld id="{FFBBF271-61A5-488B-AAE0-B05131453D11}" type="datetimeFigureOut">
               <a:rPr kumimoji="1" lang="ja-JP" altLang="en-US" smtClean="0"/>
-              <a:t>2021/6/1</a:t>
+              <a:t>2021/6/8</a:t>
             </a:fld>
             <a:endParaRPr kumimoji="1" lang="ja-JP" altLang="en-US"/>
           </a:p>
@@ -1222,6 +1269,174 @@
 </p:notes>
 </file>
 
+<file path=ppt/notesSlides/notesSlide4.xml><?xml version="1.0" encoding="utf-8"?>
+<p:notes xmlns:a="http://schemas.openxmlformats.org/drawingml/2006/main" xmlns:r="http://schemas.openxmlformats.org/officeDocument/2006/relationships" xmlns:p="http://schemas.openxmlformats.org/presentationml/2006/main">
+  <p:cSld>
+    <p:spTree>
+      <p:nvGrpSpPr>
+        <p:cNvPr id="1" name=""/>
+        <p:cNvGrpSpPr/>
+        <p:nvPr/>
+      </p:nvGrpSpPr>
+      <p:grpSpPr>
+        <a:xfrm>
+          <a:off x="0" y="0"/>
+          <a:ext cx="0" cy="0"/>
+          <a:chOff x="0" y="0"/>
+          <a:chExt cx="0" cy="0"/>
+        </a:xfrm>
+      </p:grpSpPr>
+      <p:sp>
+        <p:nvSpPr>
+          <p:cNvPr id="2" name="スライド イメージ プレースホルダー 1"/>
+          <p:cNvSpPr>
+            <a:spLocks noGrp="1" noRot="1" noChangeAspect="1"/>
+          </p:cNvSpPr>
+          <p:nvPr>
+            <p:ph type="sldImg"/>
+          </p:nvPr>
+        </p:nvSpPr>
+        <p:spPr/>
+      </p:sp>
+      <p:sp>
+        <p:nvSpPr>
+          <p:cNvPr id="3" name="ノート プレースホルダー 2"/>
+          <p:cNvSpPr>
+            <a:spLocks noGrp="1"/>
+          </p:cNvSpPr>
+          <p:nvPr>
+            <p:ph type="body" idx="1"/>
+          </p:nvPr>
+        </p:nvSpPr>
+        <p:spPr/>
+        <p:txBody>
+          <a:bodyPr/>
+          <a:lstStyle/>
+          <a:p>
+            <a:endParaRPr kumimoji="1" lang="ja-JP" altLang="en-US" dirty="0"/>
+          </a:p>
+        </p:txBody>
+      </p:sp>
+      <p:sp>
+        <p:nvSpPr>
+          <p:cNvPr id="4" name="スライド番号プレースホルダー 3"/>
+          <p:cNvSpPr>
+            <a:spLocks noGrp="1"/>
+          </p:cNvSpPr>
+          <p:nvPr>
+            <p:ph type="sldNum" sz="quarter" idx="5"/>
+          </p:nvPr>
+        </p:nvSpPr>
+        <p:spPr/>
+        <p:txBody>
+          <a:bodyPr/>
+          <a:lstStyle/>
+          <a:p>
+            <a:fld id="{61FBD9DF-569B-4914-BC78-6A74585AE598}" type="slidenum">
+              <a:rPr kumimoji="1" lang="ja-JP" altLang="en-US" smtClean="0"/>
+              <a:t>11</a:t>
+            </a:fld>
+            <a:endParaRPr kumimoji="1" lang="ja-JP" altLang="en-US"/>
+          </a:p>
+        </p:txBody>
+      </p:sp>
+    </p:spTree>
+    <p:extLst>
+      <p:ext uri="{BB962C8B-B14F-4D97-AF65-F5344CB8AC3E}">
+        <p14:creationId xmlns:p14="http://schemas.microsoft.com/office/powerpoint/2010/main" val="2952029258"/>
+      </p:ext>
+    </p:extLst>
+  </p:cSld>
+  <p:clrMapOvr>
+    <a:masterClrMapping/>
+  </p:clrMapOvr>
+</p:notes>
+</file>
+
+<file path=ppt/notesSlides/notesSlide5.xml><?xml version="1.0" encoding="utf-8"?>
+<p:notes xmlns:a="http://schemas.openxmlformats.org/drawingml/2006/main" xmlns:r="http://schemas.openxmlformats.org/officeDocument/2006/relationships" xmlns:p="http://schemas.openxmlformats.org/presentationml/2006/main">
+  <p:cSld>
+    <p:spTree>
+      <p:nvGrpSpPr>
+        <p:cNvPr id="1" name=""/>
+        <p:cNvGrpSpPr/>
+        <p:nvPr/>
+      </p:nvGrpSpPr>
+      <p:grpSpPr>
+        <a:xfrm>
+          <a:off x="0" y="0"/>
+          <a:ext cx="0" cy="0"/>
+          <a:chOff x="0" y="0"/>
+          <a:chExt cx="0" cy="0"/>
+        </a:xfrm>
+      </p:grpSpPr>
+      <p:sp>
+        <p:nvSpPr>
+          <p:cNvPr id="2" name="スライド イメージ プレースホルダー 1"/>
+          <p:cNvSpPr>
+            <a:spLocks noGrp="1" noRot="1" noChangeAspect="1"/>
+          </p:cNvSpPr>
+          <p:nvPr>
+            <p:ph type="sldImg"/>
+          </p:nvPr>
+        </p:nvSpPr>
+        <p:spPr/>
+      </p:sp>
+      <p:sp>
+        <p:nvSpPr>
+          <p:cNvPr id="3" name="ノート プレースホルダー 2"/>
+          <p:cNvSpPr>
+            <a:spLocks noGrp="1"/>
+          </p:cNvSpPr>
+          <p:nvPr>
+            <p:ph type="body" idx="1"/>
+          </p:nvPr>
+        </p:nvSpPr>
+        <p:spPr/>
+        <p:txBody>
+          <a:bodyPr/>
+          <a:lstStyle/>
+          <a:p>
+            <a:endParaRPr kumimoji="1" lang="ja-JP" altLang="en-US" dirty="0"/>
+          </a:p>
+        </p:txBody>
+      </p:sp>
+      <p:sp>
+        <p:nvSpPr>
+          <p:cNvPr id="4" name="スライド番号プレースホルダー 3"/>
+          <p:cNvSpPr>
+            <a:spLocks noGrp="1"/>
+          </p:cNvSpPr>
+          <p:nvPr>
+            <p:ph type="sldNum" sz="quarter" idx="5"/>
+          </p:nvPr>
+        </p:nvSpPr>
+        <p:spPr/>
+        <p:txBody>
+          <a:bodyPr/>
+          <a:lstStyle/>
+          <a:p>
+            <a:fld id="{61FBD9DF-569B-4914-BC78-6A74585AE598}" type="slidenum">
+              <a:rPr kumimoji="1" lang="ja-JP" altLang="en-US" smtClean="0"/>
+              <a:t>12</a:t>
+            </a:fld>
+            <a:endParaRPr kumimoji="1" lang="ja-JP" altLang="en-US"/>
+          </a:p>
+        </p:txBody>
+      </p:sp>
+    </p:spTree>
+    <p:extLst>
+      <p:ext uri="{BB962C8B-B14F-4D97-AF65-F5344CB8AC3E}">
+        <p14:creationId xmlns:p14="http://schemas.microsoft.com/office/powerpoint/2010/main" val="2783804712"/>
+      </p:ext>
+    </p:extLst>
+  </p:cSld>
+  <p:clrMapOvr>
+    <a:masterClrMapping/>
+  </p:clrMapOvr>
+</p:notes>
+</file>
+
 <file path=ppt/slideLayouts/slideLayout1.xml><?xml version="1.0" encoding="utf-8"?>
 <p:sldLayout xmlns:a="http://schemas.openxmlformats.org/drawingml/2006/main" xmlns:r="http://schemas.openxmlformats.org/officeDocument/2006/relationships" xmlns:p="http://schemas.openxmlformats.org/presentationml/2006/main" type="title" preserve="1">
   <p:cSld name="タイトル スライド">
@@ -1369,7 +1584,7 @@
           <a:p>
             <a:fld id="{95E619EB-4592-4FF8-AB08-5F7D86C312FA}" type="datetimeFigureOut">
               <a:rPr kumimoji="1" lang="ja-JP" altLang="en-US" smtClean="0"/>
-              <a:t>2021/6/1</a:t>
+              <a:t>2021/6/8</a:t>
             </a:fld>
             <a:endParaRPr kumimoji="1" lang="ja-JP" altLang="en-US"/>
           </a:p>
@@ -1599,7 +1814,7 @@
           <a:p>
             <a:fld id="{95E619EB-4592-4FF8-AB08-5F7D86C312FA}" type="datetimeFigureOut">
               <a:rPr kumimoji="1" lang="ja-JP" altLang="en-US" smtClean="0"/>
-              <a:t>2021/6/1</a:t>
+              <a:t>2021/6/8</a:t>
             </a:fld>
             <a:endParaRPr kumimoji="1" lang="ja-JP" altLang="en-US"/>
           </a:p>
@@ -1839,7 +2054,7 @@
           <a:p>
             <a:fld id="{95E619EB-4592-4FF8-AB08-5F7D86C312FA}" type="datetimeFigureOut">
               <a:rPr kumimoji="1" lang="ja-JP" altLang="en-US" smtClean="0"/>
-              <a:t>2021/6/1</a:t>
+              <a:t>2021/6/8</a:t>
             </a:fld>
             <a:endParaRPr kumimoji="1" lang="ja-JP" altLang="en-US"/>
           </a:p>
@@ -2069,7 +2284,7 @@
           <a:p>
             <a:fld id="{95E619EB-4592-4FF8-AB08-5F7D86C312FA}" type="datetimeFigureOut">
               <a:rPr kumimoji="1" lang="ja-JP" altLang="en-US" smtClean="0"/>
-              <a:t>2021/6/1</a:t>
+              <a:t>2021/6/8</a:t>
             </a:fld>
             <a:endParaRPr kumimoji="1" lang="ja-JP" altLang="en-US"/>
           </a:p>
@@ -2344,7 +2559,7 @@
           <a:p>
             <a:fld id="{95E619EB-4592-4FF8-AB08-5F7D86C312FA}" type="datetimeFigureOut">
               <a:rPr kumimoji="1" lang="ja-JP" altLang="en-US" smtClean="0"/>
-              <a:t>2021/6/1</a:t>
+              <a:t>2021/6/8</a:t>
             </a:fld>
             <a:endParaRPr kumimoji="1" lang="ja-JP" altLang="en-US"/>
           </a:p>
@@ -2673,7 +2888,7 @@
           <a:p>
             <a:fld id="{95E619EB-4592-4FF8-AB08-5F7D86C312FA}" type="datetimeFigureOut">
               <a:rPr kumimoji="1" lang="ja-JP" altLang="en-US" smtClean="0"/>
-              <a:t>2021/6/1</a:t>
+              <a:t>2021/6/8</a:t>
             </a:fld>
             <a:endParaRPr kumimoji="1" lang="ja-JP" altLang="en-US"/>
           </a:p>
@@ -3149,7 +3364,7 @@
           <a:p>
             <a:fld id="{95E619EB-4592-4FF8-AB08-5F7D86C312FA}" type="datetimeFigureOut">
               <a:rPr kumimoji="1" lang="ja-JP" altLang="en-US" smtClean="0"/>
-              <a:t>2021/6/1</a:t>
+              <a:t>2021/6/8</a:t>
             </a:fld>
             <a:endParaRPr kumimoji="1" lang="ja-JP" altLang="en-US"/>
           </a:p>
@@ -3290,7 +3505,7 @@
           <a:p>
             <a:fld id="{95E619EB-4592-4FF8-AB08-5F7D86C312FA}" type="datetimeFigureOut">
               <a:rPr kumimoji="1" lang="ja-JP" altLang="en-US" smtClean="0"/>
-              <a:t>2021/6/1</a:t>
+              <a:t>2021/6/8</a:t>
             </a:fld>
             <a:endParaRPr kumimoji="1" lang="ja-JP" altLang="en-US"/>
           </a:p>
@@ -3403,7 +3618,7 @@
           <a:p>
             <a:fld id="{95E619EB-4592-4FF8-AB08-5F7D86C312FA}" type="datetimeFigureOut">
               <a:rPr kumimoji="1" lang="ja-JP" altLang="en-US" smtClean="0"/>
-              <a:t>2021/6/1</a:t>
+              <a:t>2021/6/8</a:t>
             </a:fld>
             <a:endParaRPr kumimoji="1" lang="ja-JP" altLang="en-US"/>
           </a:p>
@@ -3746,7 +3961,7 @@
           <a:p>
             <a:fld id="{95E619EB-4592-4FF8-AB08-5F7D86C312FA}" type="datetimeFigureOut">
               <a:rPr kumimoji="1" lang="ja-JP" altLang="en-US" smtClean="0"/>
-              <a:t>2021/6/1</a:t>
+              <a:t>2021/6/8</a:t>
             </a:fld>
             <a:endParaRPr kumimoji="1" lang="ja-JP" altLang="en-US"/>
           </a:p>
@@ -4034,7 +4249,7 @@
           <a:p>
             <a:fld id="{95E619EB-4592-4FF8-AB08-5F7D86C312FA}" type="datetimeFigureOut">
               <a:rPr kumimoji="1" lang="ja-JP" altLang="en-US" smtClean="0"/>
-              <a:t>2021/6/1</a:t>
+              <a:t>2021/6/8</a:t>
             </a:fld>
             <a:endParaRPr kumimoji="1" lang="ja-JP" altLang="en-US"/>
           </a:p>
@@ -4307,7 +4522,7 @@
           <a:p>
             <a:fld id="{95E619EB-4592-4FF8-AB08-5F7D86C312FA}" type="datetimeFigureOut">
               <a:rPr kumimoji="1" lang="ja-JP" altLang="en-US" smtClean="0"/>
-              <a:t>2021/6/1</a:t>
+              <a:t>2021/6/8</a:t>
             </a:fld>
             <a:endParaRPr kumimoji="1" lang="ja-JP" altLang="en-US"/>
           </a:p>
@@ -4883,13 +5098,6 @@
           <a:p>
             <a:r>
               <a:rPr lang="ja-JP" altLang="en-US" dirty="0"/>
-              <a:t>スケジューリング機能</a:t>
-            </a:r>
-            <a:endParaRPr lang="en-US" altLang="ja-JP" dirty="0"/>
-          </a:p>
-          <a:p>
-            <a:r>
-              <a:rPr lang="ja-JP" altLang="en-US" dirty="0"/>
               <a:t>マニュアル操作</a:t>
             </a:r>
             <a:endParaRPr lang="en-US" altLang="ja-JP" dirty="0"/>
@@ -4905,6 +5113,32 @@
             <a:r>
               <a:rPr lang="ja-JP" altLang="en-US" dirty="0"/>
               <a:t>ロボット緊急停止</a:t>
+            </a:r>
+            <a:endParaRPr lang="en-US" altLang="ja-JP" dirty="0"/>
+          </a:p>
+          <a:p>
+            <a:r>
+              <a:rPr lang="ja-JP" altLang="en-US" dirty="0">
+                <a:solidFill>
+                  <a:srgbClr val="FF0000"/>
+                </a:solidFill>
+              </a:rPr>
+              <a:t>スケジューリング機能</a:t>
+            </a:r>
+            <a:endParaRPr lang="en-US" altLang="ja-JP" dirty="0">
+              <a:solidFill>
+                <a:srgbClr val="FF0000"/>
+              </a:solidFill>
+            </a:endParaRPr>
+          </a:p>
+          <a:p>
+            <a:r>
+              <a:rPr lang="ja-JP" altLang="en-US" dirty="0">
+                <a:solidFill>
+                  <a:srgbClr val="FF0000"/>
+                </a:solidFill>
+              </a:rPr>
+              <a:t>ログイン機能</a:t>
             </a:r>
           </a:p>
         </p:txBody>
@@ -4942,6 +5176,418 @@
     <p:extLst>
       <p:ext uri="{BB962C8B-B14F-4D97-AF65-F5344CB8AC3E}">
         <p14:creationId xmlns:p14="http://schemas.microsoft.com/office/powerpoint/2010/main" val="4172342721"/>
+      </p:ext>
+    </p:extLst>
+  </p:cSld>
+  <p:clrMapOvr>
+    <a:masterClrMapping/>
+  </p:clrMapOvr>
+</p:sld>
+</file>
+
+<file path=ppt/slides/slide11.xml><?xml version="1.0" encoding="utf-8"?>
+<p:sld xmlns:a="http://schemas.openxmlformats.org/drawingml/2006/main" xmlns:r="http://schemas.openxmlformats.org/officeDocument/2006/relationships" xmlns:p="http://schemas.openxmlformats.org/presentationml/2006/main">
+  <p:cSld>
+    <p:spTree>
+      <p:nvGrpSpPr>
+        <p:cNvPr id="1" name=""/>
+        <p:cNvGrpSpPr/>
+        <p:nvPr/>
+      </p:nvGrpSpPr>
+      <p:grpSpPr>
+        <a:xfrm>
+          <a:off x="0" y="0"/>
+          <a:ext cx="0" cy="0"/>
+          <a:chOff x="0" y="0"/>
+          <a:chExt cx="0" cy="0"/>
+        </a:xfrm>
+      </p:grpSpPr>
+      <p:sp>
+        <p:nvSpPr>
+          <p:cNvPr id="5" name="コンテンツ プレースホルダー 4">
+            <a:extLst>
+              <a:ext uri="{FF2B5EF4-FFF2-40B4-BE49-F238E27FC236}">
+                <a16:creationId xmlns:a16="http://schemas.microsoft.com/office/drawing/2014/main" id="{BE675393-D2EF-4AD7-81AD-F78EDDFA53CB}"/>
+              </a:ext>
+            </a:extLst>
+          </p:cNvPr>
+          <p:cNvSpPr>
+            <a:spLocks noGrp="1"/>
+          </p:cNvSpPr>
+          <p:nvPr>
+            <p:ph idx="1"/>
+          </p:nvPr>
+        </p:nvSpPr>
+        <p:spPr/>
+        <p:txBody>
+          <a:bodyPr>
+            <a:normAutofit fontScale="70000" lnSpcReduction="20000"/>
+          </a:bodyPr>
+          <a:lstStyle/>
+          <a:p>
+            <a:r>
+              <a:rPr lang="ja-JP" altLang="en-US" dirty="0">
+                <a:solidFill>
+                  <a:srgbClr val="FF0000"/>
+                </a:solidFill>
+              </a:rPr>
+              <a:t>スケジューリング機能</a:t>
+            </a:r>
+          </a:p>
+          <a:p>
+            <a:pPr marL="0" indent="0">
+              <a:buNone/>
+            </a:pPr>
+            <a:r>
+              <a:rPr lang="en-US" altLang="ja-JP" dirty="0"/>
+              <a:t>	○</a:t>
+            </a:r>
+            <a:r>
+              <a:rPr lang="ja-JP" altLang="en-US" dirty="0"/>
+              <a:t>月</a:t>
+            </a:r>
+            <a:r>
+              <a:rPr lang="en-US" altLang="ja-JP" dirty="0"/>
+              <a:t>○</a:t>
+            </a:r>
+            <a:r>
+              <a:rPr lang="ja-JP" altLang="en-US" dirty="0"/>
+              <a:t>日何時に何をしながら、どこまで行くか</a:t>
+            </a:r>
+            <a:endParaRPr lang="en-US" altLang="ja-JP" dirty="0"/>
+          </a:p>
+          <a:p>
+            <a:pPr marL="0" indent="0">
+              <a:buNone/>
+            </a:pPr>
+            <a:r>
+              <a:rPr lang="en-US" altLang="ja-JP" dirty="0"/>
+              <a:t>	or</a:t>
+            </a:r>
+          </a:p>
+          <a:p>
+            <a:pPr marL="0" indent="0">
+              <a:buNone/>
+            </a:pPr>
+            <a:r>
+              <a:rPr lang="en-US" altLang="ja-JP" dirty="0"/>
+              <a:t>	 ○</a:t>
+            </a:r>
+            <a:r>
+              <a:rPr lang="ja-JP" altLang="en-US" dirty="0"/>
+              <a:t>月</a:t>
+            </a:r>
+            <a:r>
+              <a:rPr lang="en-US" altLang="ja-JP" dirty="0"/>
+              <a:t>○</a:t>
+            </a:r>
+            <a:r>
+              <a:rPr lang="ja-JP" altLang="en-US" dirty="0"/>
+              <a:t>日何時に指定位置に到着</a:t>
+            </a:r>
+            <a:endParaRPr lang="en-US" altLang="ja-JP" dirty="0"/>
+          </a:p>
+          <a:p>
+            <a:pPr marL="0" indent="0">
+              <a:buNone/>
+            </a:pPr>
+            <a:r>
+              <a:rPr lang="en-US" altLang="ja-JP" dirty="0"/>
+              <a:t>		</a:t>
+            </a:r>
+          </a:p>
+          <a:p>
+            <a:pPr marL="0" indent="0">
+              <a:buNone/>
+            </a:pPr>
+            <a:r>
+              <a:rPr lang="en-US" altLang="ja-JP" dirty="0"/>
+              <a:t>	</a:t>
+            </a:r>
+            <a:r>
+              <a:rPr lang="ja-JP" altLang="en-US" dirty="0"/>
+              <a:t>を</a:t>
+            </a:r>
+            <a:r>
+              <a:rPr lang="en-US" altLang="ja-JP" dirty="0" err="1"/>
+              <a:t>クライアントアプリにてユーザーが指定</a:t>
+            </a:r>
+            <a:r>
+              <a:rPr lang="en-US" altLang="ja-JP" dirty="0"/>
+              <a:t>。</a:t>
+            </a:r>
+          </a:p>
+          <a:p>
+            <a:pPr marL="0" indent="0">
+              <a:buNone/>
+            </a:pPr>
+            <a:endParaRPr lang="en-US" altLang="ja-JP" dirty="0"/>
+          </a:p>
+          <a:p>
+            <a:pPr marL="0" indent="0">
+              <a:buNone/>
+            </a:pPr>
+            <a:r>
+              <a:rPr lang="en-US" altLang="ja-JP" dirty="0"/>
+              <a:t>	</a:t>
+            </a:r>
+            <a:r>
+              <a:rPr lang="ja-JP" altLang="en-US" dirty="0"/>
+              <a:t>サーバーにてロボットの出発時刻を決定し、時刻になったらロボットに目標地点と動作を通知。</a:t>
+            </a:r>
+            <a:endParaRPr lang="en-US" altLang="ja-JP" dirty="0"/>
+          </a:p>
+          <a:p>
+            <a:pPr marL="0" indent="0">
+              <a:buNone/>
+            </a:pPr>
+            <a:endParaRPr lang="en-US" altLang="ja-JP" dirty="0"/>
+          </a:p>
+          <a:p>
+            <a:pPr marL="0" indent="0">
+              <a:buNone/>
+            </a:pPr>
+            <a:r>
+              <a:rPr lang="en-US" altLang="ja-JP" dirty="0"/>
+              <a:t>	</a:t>
+            </a:r>
+            <a:r>
+              <a:rPr lang="en-US" altLang="ja-JP" dirty="0" err="1"/>
+              <a:t>到着したら、ロボットよりサーバーに通知</a:t>
+            </a:r>
+            <a:r>
+              <a:rPr lang="en-US" altLang="ja-JP" dirty="0"/>
+              <a:t>。</a:t>
+            </a:r>
+          </a:p>
+          <a:p>
+            <a:pPr marL="0" indent="0">
+              <a:buNone/>
+            </a:pPr>
+            <a:endParaRPr lang="en-US" altLang="ja-JP" dirty="0"/>
+          </a:p>
+          <a:p>
+            <a:pPr marL="0" indent="0">
+              <a:buNone/>
+            </a:pPr>
+            <a:r>
+              <a:rPr lang="en-US" altLang="ja-JP" dirty="0"/>
+              <a:t>	</a:t>
+            </a:r>
+          </a:p>
+        </p:txBody>
+      </p:sp>
+      <p:sp>
+        <p:nvSpPr>
+          <p:cNvPr id="2" name="タイトル 1">
+            <a:extLst>
+              <a:ext uri="{FF2B5EF4-FFF2-40B4-BE49-F238E27FC236}">
+                <a16:creationId xmlns:a16="http://schemas.microsoft.com/office/drawing/2014/main" id="{92E10FCE-7068-4EDB-9D83-98E4D1C51399}"/>
+              </a:ext>
+            </a:extLst>
+          </p:cNvPr>
+          <p:cNvSpPr>
+            <a:spLocks noGrp="1"/>
+          </p:cNvSpPr>
+          <p:nvPr>
+            <p:ph type="title"/>
+          </p:nvPr>
+        </p:nvSpPr>
+        <p:spPr/>
+        <p:txBody>
+          <a:bodyPr/>
+          <a:lstStyle/>
+          <a:p>
+            <a:r>
+              <a:rPr lang="ja-JP" altLang="en-US" dirty="0"/>
+              <a:t>搭載機能</a:t>
+            </a:r>
+            <a:endParaRPr kumimoji="1" lang="ja-JP" altLang="en-US" dirty="0"/>
+          </a:p>
+        </p:txBody>
+      </p:sp>
+    </p:spTree>
+    <p:extLst>
+      <p:ext uri="{BB962C8B-B14F-4D97-AF65-F5344CB8AC3E}">
+        <p14:creationId xmlns:p14="http://schemas.microsoft.com/office/powerpoint/2010/main" val="3100005704"/>
+      </p:ext>
+    </p:extLst>
+  </p:cSld>
+  <p:clrMapOvr>
+    <a:masterClrMapping/>
+  </p:clrMapOvr>
+</p:sld>
+</file>
+
+<file path=ppt/slides/slide12.xml><?xml version="1.0" encoding="utf-8"?>
+<p:sld xmlns:a="http://schemas.openxmlformats.org/drawingml/2006/main" xmlns:r="http://schemas.openxmlformats.org/officeDocument/2006/relationships" xmlns:p="http://schemas.openxmlformats.org/presentationml/2006/main">
+  <p:cSld>
+    <p:spTree>
+      <p:nvGrpSpPr>
+        <p:cNvPr id="1" name=""/>
+        <p:cNvGrpSpPr/>
+        <p:nvPr/>
+      </p:nvGrpSpPr>
+      <p:grpSpPr>
+        <a:xfrm>
+          <a:off x="0" y="0"/>
+          <a:ext cx="0" cy="0"/>
+          <a:chOff x="0" y="0"/>
+          <a:chExt cx="0" cy="0"/>
+        </a:xfrm>
+      </p:grpSpPr>
+      <p:sp>
+        <p:nvSpPr>
+          <p:cNvPr id="5" name="コンテンツ プレースホルダー 4">
+            <a:extLst>
+              <a:ext uri="{FF2B5EF4-FFF2-40B4-BE49-F238E27FC236}">
+                <a16:creationId xmlns:a16="http://schemas.microsoft.com/office/drawing/2014/main" id="{BE675393-D2EF-4AD7-81AD-F78EDDFA53CB}"/>
+              </a:ext>
+            </a:extLst>
+          </p:cNvPr>
+          <p:cNvSpPr>
+            <a:spLocks noGrp="1"/>
+          </p:cNvSpPr>
+          <p:nvPr>
+            <p:ph idx="1"/>
+          </p:nvPr>
+        </p:nvSpPr>
+        <p:spPr/>
+        <p:txBody>
+          <a:bodyPr>
+            <a:normAutofit/>
+          </a:bodyPr>
+          <a:lstStyle/>
+          <a:p>
+            <a:r>
+              <a:rPr lang="ja-JP" altLang="en-US" dirty="0">
+                <a:solidFill>
+                  <a:srgbClr val="FF0000"/>
+                </a:solidFill>
+              </a:rPr>
+              <a:t>ログイン機能</a:t>
+            </a:r>
+          </a:p>
+          <a:p>
+            <a:pPr marL="0" indent="0">
+              <a:buNone/>
+            </a:pPr>
+            <a:r>
+              <a:rPr lang="en-US" altLang="ja-JP" dirty="0"/>
+              <a:t>	</a:t>
+            </a:r>
+            <a:r>
+              <a:rPr lang="ja-JP" altLang="en-US" dirty="0"/>
+              <a:t>サービスとして価値を持たせることから、ユーザー管理は必須。</a:t>
+            </a:r>
+            <a:endParaRPr lang="en-US" altLang="ja-JP" dirty="0"/>
+          </a:p>
+          <a:p>
+            <a:pPr marL="0" indent="0">
+              <a:buNone/>
+            </a:pPr>
+            <a:r>
+              <a:rPr lang="en-US" altLang="ja-JP" dirty="0"/>
+              <a:t>	</a:t>
+            </a:r>
+            <a:r>
+              <a:rPr lang="en-US" altLang="ja-JP" dirty="0" err="1"/>
+              <a:t>monaca</a:t>
+            </a:r>
+            <a:r>
+              <a:rPr lang="ja-JP" altLang="en-US" dirty="0"/>
+              <a:t>の参考書に例があったのでそちらを検討。</a:t>
+            </a:r>
+            <a:endParaRPr lang="en-US" altLang="ja-JP" dirty="0"/>
+          </a:p>
+          <a:p>
+            <a:pPr marL="0" indent="0">
+              <a:buNone/>
+            </a:pPr>
+            <a:r>
+              <a:rPr lang="en-US" altLang="ja-JP" dirty="0"/>
+              <a:t>	</a:t>
+            </a:r>
+            <a:r>
+              <a:rPr lang="ja-JP" altLang="en-US" dirty="0"/>
+              <a:t>また、</a:t>
+            </a:r>
+            <a:r>
+              <a:rPr lang="en-US" altLang="ja-JP" dirty="0"/>
+              <a:t>1</a:t>
+            </a:r>
+            <a:r>
+              <a:rPr lang="ja-JP" altLang="en-US" dirty="0"/>
+              <a:t>ユーザーが複数台の管理をすることや、</a:t>
+            </a:r>
+            <a:r>
+              <a:rPr lang="en-US" altLang="ja-JP" dirty="0"/>
+              <a:t>1</a:t>
+            </a:r>
+            <a:r>
+              <a:rPr lang="ja-JP" altLang="en-US" dirty="0"/>
+              <a:t>機体を複数のユーザーが管理するを考慮する。</a:t>
+            </a:r>
+            <a:endParaRPr lang="en-US" altLang="ja-JP" dirty="0"/>
+          </a:p>
+          <a:p>
+            <a:pPr marL="0" indent="0">
+              <a:buNone/>
+            </a:pPr>
+            <a:r>
+              <a:rPr lang="en-US" altLang="ja-JP" dirty="0"/>
+              <a:t>	</a:t>
+            </a:r>
+            <a:r>
+              <a:rPr lang="ja-JP" altLang="en-US" dirty="0"/>
+              <a:t>ユーザーログイン→機体選択とログイン画面を推移させる。</a:t>
+            </a:r>
+            <a:endParaRPr lang="en-US" altLang="ja-JP" dirty="0"/>
+          </a:p>
+          <a:p>
+            <a:pPr marL="0" indent="0">
+              <a:buNone/>
+            </a:pPr>
+            <a:r>
+              <a:rPr lang="en-US" altLang="ja-JP" dirty="0"/>
+              <a:t>	</a:t>
+            </a:r>
+          </a:p>
+        </p:txBody>
+      </p:sp>
+      <p:sp>
+        <p:nvSpPr>
+          <p:cNvPr id="2" name="タイトル 1">
+            <a:extLst>
+              <a:ext uri="{FF2B5EF4-FFF2-40B4-BE49-F238E27FC236}">
+                <a16:creationId xmlns:a16="http://schemas.microsoft.com/office/drawing/2014/main" id="{92E10FCE-7068-4EDB-9D83-98E4D1C51399}"/>
+              </a:ext>
+            </a:extLst>
+          </p:cNvPr>
+          <p:cNvSpPr>
+            <a:spLocks noGrp="1"/>
+          </p:cNvSpPr>
+          <p:nvPr>
+            <p:ph type="title"/>
+          </p:nvPr>
+        </p:nvSpPr>
+        <p:spPr/>
+        <p:txBody>
+          <a:bodyPr/>
+          <a:lstStyle/>
+          <a:p>
+            <a:r>
+              <a:rPr lang="ja-JP" altLang="en-US" dirty="0"/>
+              <a:t>搭載機能</a:t>
+            </a:r>
+            <a:endParaRPr kumimoji="1" lang="ja-JP" altLang="en-US" dirty="0"/>
+          </a:p>
+        </p:txBody>
+      </p:sp>
+    </p:spTree>
+    <p:extLst>
+      <p:ext uri="{BB962C8B-B14F-4D97-AF65-F5344CB8AC3E}">
+        <p14:creationId xmlns:p14="http://schemas.microsoft.com/office/powerpoint/2010/main" val="3952960564"/>
       </p:ext>
     </p:extLst>
   </p:cSld>
@@ -5254,7 +5900,7 @@
             </a:pPr>
             <a:r>
               <a:rPr lang="ja-JP" altLang="en-US" dirty="0"/>
-              <a:t>渕野先生の指摘→目的は？</a:t>
+              <a:t>渕野先生の指摘→目的は？ </a:t>
             </a:r>
             <a:r>
               <a:rPr lang="en-US" altLang="ja-JP" dirty="0"/>
@@ -5545,7 +6191,9 @@
         </p:nvSpPr>
         <p:spPr/>
         <p:txBody>
-          <a:bodyPr/>
+          <a:bodyPr>
+            <a:normAutofit/>
+          </a:bodyPr>
           <a:lstStyle/>
           <a:p>
             <a:r>
@@ -5561,6 +6209,36 @@
             <a:r>
               <a:rPr lang="ja-JP" altLang="en-US" dirty="0"/>
               <a:t>　ロボットにボックス搭載</a:t>
+            </a:r>
+            <a:endParaRPr lang="en-US" altLang="ja-JP" dirty="0"/>
+          </a:p>
+          <a:p>
+            <a:pPr marL="0" indent="0">
+              <a:buNone/>
+            </a:pPr>
+            <a:endParaRPr lang="en-US" altLang="ja-JP" dirty="0"/>
+          </a:p>
+          <a:p>
+            <a:r>
+              <a:rPr lang="en-US" altLang="ja-JP" dirty="0" err="1"/>
+              <a:t>ロボットトラクタ</a:t>
+            </a:r>
+            <a:r>
+              <a:rPr lang="en-US" altLang="ja-JP" dirty="0"/>
+              <a:t>ー</a:t>
+            </a:r>
+          </a:p>
+          <a:p>
+            <a:pPr marL="0" indent="0">
+              <a:buNone/>
+            </a:pPr>
+            <a:r>
+              <a:rPr lang="en-US" altLang="ja-JP" dirty="0"/>
+              <a:t>	</a:t>
+            </a:r>
+            <a:r>
+              <a:rPr lang="ja-JP" altLang="en-US" dirty="0"/>
+              <a:t>経路、動作をスケジューリング</a:t>
             </a:r>
             <a:endParaRPr lang="en-US" altLang="ja-JP" dirty="0"/>
           </a:p>
